--- a/Защита проекта.pptx
+++ b/Защита проекта.pptx
@@ -5972,6 +5972,30 @@
           </a:p>
         </p:txBody>
       </p:sp>
+      <p:pic>
+        <p:nvPicPr>
+          <p:cNvPr id="4" name="Рисунок 3"/>
+          <p:cNvPicPr>
+            <a:picLocks noChangeAspect="1"/>
+          </p:cNvPicPr>
+          <p:nvPr/>
+        </p:nvPicPr>
+        <p:blipFill>
+          <a:blip r:embed="rId2"/>
+          <a:stretch>
+            <a:fillRect/>
+          </a:stretch>
+        </p:blipFill>
+        <p:spPr>
+          <a:xfrm>
+            <a:off x="7989639" y="2546916"/>
+            <a:ext cx="4007730" cy="3724635"/>
+          </a:xfrm>
+          <a:prstGeom prst="rect">
+            <a:avLst/>
+          </a:prstGeom>
+        </p:spPr>
+      </p:pic>
     </p:spTree>
     <p:extLst>
       <p:ext uri="{BB962C8B-B14F-4D97-AF65-F5344CB8AC3E}">
@@ -6083,6 +6107,54 @@
           </a:p>
         </p:txBody>
       </p:sp>
+      <p:pic>
+        <p:nvPicPr>
+          <p:cNvPr id="4" name="Рисунок 3"/>
+          <p:cNvPicPr>
+            <a:picLocks noChangeAspect="1"/>
+          </p:cNvPicPr>
+          <p:nvPr/>
+        </p:nvPicPr>
+        <p:blipFill>
+          <a:blip r:embed="rId2"/>
+          <a:stretch>
+            <a:fillRect/>
+          </a:stretch>
+        </p:blipFill>
+        <p:spPr>
+          <a:xfrm>
+            <a:off x="677334" y="3716815"/>
+            <a:ext cx="1924050" cy="1143000"/>
+          </a:xfrm>
+          <a:prstGeom prst="rect">
+            <a:avLst/>
+          </a:prstGeom>
+        </p:spPr>
+      </p:pic>
+      <p:pic>
+        <p:nvPicPr>
+          <p:cNvPr id="5" name="Рисунок 4"/>
+          <p:cNvPicPr>
+            <a:picLocks noChangeAspect="1"/>
+          </p:cNvPicPr>
+          <p:nvPr/>
+        </p:nvPicPr>
+        <p:blipFill>
+          <a:blip r:embed="rId3"/>
+          <a:stretch>
+            <a:fillRect/>
+          </a:stretch>
+        </p:blipFill>
+        <p:spPr>
+          <a:xfrm>
+            <a:off x="2875518" y="3716815"/>
+            <a:ext cx="1924050" cy="1143000"/>
+          </a:xfrm>
+          <a:prstGeom prst="rect">
+            <a:avLst/>
+          </a:prstGeom>
+        </p:spPr>
+      </p:pic>
     </p:spTree>
     <p:extLst>
       <p:ext uri="{BB962C8B-B14F-4D97-AF65-F5344CB8AC3E}">
@@ -6183,19 +6255,7 @@
             </a:pPr>
             <a:r>
               <a:rPr lang="ru-RU" dirty="0" smtClean="0"/>
-              <a:t>Как мне кажется, решить </a:t>
-            </a:r>
-            <a:r>
-              <a:rPr lang="ru-RU" dirty="0" smtClean="0"/>
-              <a:t>эту проблему </a:t>
-            </a:r>
-            <a:r>
-              <a:rPr lang="ru-RU" dirty="0" smtClean="0"/>
-              <a:t>можно сменив главную исполнительную </a:t>
-            </a:r>
-            <a:r>
-              <a:rPr lang="ru-RU" dirty="0" smtClean="0"/>
-              <a:t>библиотеку.</a:t>
+              <a:t>Как мне кажется, решить эту проблему можно сменив главную исполнительную библиотеку.</a:t>
             </a:r>
             <a:endParaRPr lang="ru-RU" dirty="0"/>
           </a:p>
@@ -6302,8 +6362,21 @@
             </a:r>
             <a:r>
               <a:rPr lang="ru-RU" dirty="0" smtClean="0"/>
-              <a:t>) и возможность рисовать фигуры.</a:t>
-            </a:r>
+              <a:t>) и возможность рисовать фигуры</a:t>
+            </a:r>
+            <a:r>
+              <a:rPr lang="ru-RU" dirty="0" smtClean="0"/>
+              <a:t>.</a:t>
+            </a:r>
+            <a:r>
+              <a:rPr lang="en-US" dirty="0" smtClean="0"/>
+              <a:t> </a:t>
+            </a:r>
+            <a:r>
+              <a:rPr lang="ru-RU" dirty="0" smtClean="0"/>
+              <a:t>Так же хорошо бы изменить дизайн проекта</a:t>
+            </a:r>
+            <a:endParaRPr lang="ru-RU" dirty="0" smtClean="0"/>
           </a:p>
           <a:p>
             <a:pPr marL="0" indent="0">
